--- a/PPT/Robust_Median_Reversion_Strategy.pptx
+++ b/PPT/Robust_Median_Reversion_Strategy.pptx
@@ -234,7 +234,7 @@
           <a:p>
             <a:fld id="{88F3C2E2-126B-4979-8934-7D878563B06E}" type="datetimeFigureOut">
               <a:rPr lang="en-US" smtClean="0"/>
-              <a:t>11/9/2018</a:t>
+              <a:t>11/10/18</a:t>
             </a:fld>
             <a:endParaRPr lang="en-US"/>
           </a:p>
@@ -816,7 +816,7 @@
           <a:p>
             <a:fld id="{1746A9D9-D268-4E43-844B-86D3D849C44B}" type="datetimeFigureOut">
               <a:rPr lang="en-US" smtClean="0"/>
-              <a:t>11/9/2018</a:t>
+              <a:t>11/10/18</a:t>
             </a:fld>
             <a:endParaRPr lang="en-US"/>
           </a:p>
@@ -1014,7 +1014,7 @@
           <a:p>
             <a:fld id="{1746A9D9-D268-4E43-844B-86D3D849C44B}" type="datetimeFigureOut">
               <a:rPr lang="en-US" smtClean="0"/>
-              <a:t>11/9/2018</a:t>
+              <a:t>11/10/18</a:t>
             </a:fld>
             <a:endParaRPr lang="en-US"/>
           </a:p>
@@ -1222,7 +1222,7 @@
           <a:p>
             <a:fld id="{1746A9D9-D268-4E43-844B-86D3D849C44B}" type="datetimeFigureOut">
               <a:rPr lang="en-US" smtClean="0"/>
-              <a:t>11/9/2018</a:t>
+              <a:t>11/10/18</a:t>
             </a:fld>
             <a:endParaRPr lang="en-US"/>
           </a:p>
@@ -1420,7 +1420,7 @@
           <a:p>
             <a:fld id="{1746A9D9-D268-4E43-844B-86D3D849C44B}" type="datetimeFigureOut">
               <a:rPr lang="en-US" smtClean="0"/>
-              <a:t>11/9/2018</a:t>
+              <a:t>11/10/18</a:t>
             </a:fld>
             <a:endParaRPr lang="en-US"/>
           </a:p>
@@ -1739,7 +1739,7 @@
           <a:p>
             <a:fld id="{1746A9D9-D268-4E43-844B-86D3D849C44B}" type="datetimeFigureOut">
               <a:rPr lang="en-US" smtClean="0"/>
-              <a:t>11/9/2018</a:t>
+              <a:t>11/10/18</a:t>
             </a:fld>
             <a:endParaRPr lang="en-US"/>
           </a:p>
@@ -2004,7 +2004,7 @@
           <a:p>
             <a:fld id="{1746A9D9-D268-4E43-844B-86D3D849C44B}" type="datetimeFigureOut">
               <a:rPr lang="en-US" smtClean="0"/>
-              <a:t>11/9/2018</a:t>
+              <a:t>11/10/18</a:t>
             </a:fld>
             <a:endParaRPr lang="en-US"/>
           </a:p>
@@ -2416,7 +2416,7 @@
           <a:p>
             <a:fld id="{1746A9D9-D268-4E43-844B-86D3D849C44B}" type="datetimeFigureOut">
               <a:rPr lang="en-US" smtClean="0"/>
-              <a:t>11/9/2018</a:t>
+              <a:t>11/10/18</a:t>
             </a:fld>
             <a:endParaRPr lang="en-US"/>
           </a:p>
@@ -2557,7 +2557,7 @@
           <a:p>
             <a:fld id="{1746A9D9-D268-4E43-844B-86D3D849C44B}" type="datetimeFigureOut">
               <a:rPr lang="en-US" smtClean="0"/>
-              <a:t>11/9/2018</a:t>
+              <a:t>11/10/18</a:t>
             </a:fld>
             <a:endParaRPr lang="en-US"/>
           </a:p>
@@ -2670,7 +2670,7 @@
           <a:p>
             <a:fld id="{1746A9D9-D268-4E43-844B-86D3D849C44B}" type="datetimeFigureOut">
               <a:rPr lang="en-US" smtClean="0"/>
-              <a:t>11/9/2018</a:t>
+              <a:t>11/10/18</a:t>
             </a:fld>
             <a:endParaRPr lang="en-US"/>
           </a:p>
@@ -2981,7 +2981,7 @@
           <a:p>
             <a:fld id="{1746A9D9-D268-4E43-844B-86D3D849C44B}" type="datetimeFigureOut">
               <a:rPr lang="en-US" smtClean="0"/>
-              <a:t>11/9/2018</a:t>
+              <a:t>11/10/18</a:t>
             </a:fld>
             <a:endParaRPr lang="en-US"/>
           </a:p>
@@ -3269,7 +3269,7 @@
           <a:p>
             <a:fld id="{1746A9D9-D268-4E43-844B-86D3D849C44B}" type="datetimeFigureOut">
               <a:rPr lang="en-US" smtClean="0"/>
-              <a:t>11/9/2018</a:t>
+              <a:t>11/10/18</a:t>
             </a:fld>
             <a:endParaRPr lang="en-US"/>
           </a:p>
@@ -3510,7 +3510,7 @@
           <a:p>
             <a:fld id="{1746A9D9-D268-4E43-844B-86D3D849C44B}" type="datetimeFigureOut">
               <a:rPr lang="en-US" smtClean="0"/>
-              <a:t>11/9/2018</a:t>
+              <a:t>11/10/18</a:t>
             </a:fld>
             <a:endParaRPr lang="en-US" dirty="0"/>
           </a:p>
@@ -3627,7 +3627,7 @@
                 <a14:useLocalDpi xmlns:a14="http://schemas.microsoft.com/office/drawing/2010/main" val="0"/>
               </a:ext>
               <a:ext uri="{96DAC541-7B7A-43D3-8B79-37D633B846F1}">
-                <asvg:svgBlip xmlns:asvg="http://schemas.microsoft.com/office/drawing/2016/SVG/main" xmlns="" r:embed="rId14"/>
+                <asvg:svgBlip xmlns:asvg="http://schemas.microsoft.com/office/drawing/2016/SVG/main" r:embed="rId14"/>
               </a:ext>
             </a:extLst>
           </a:blip>
@@ -4181,26 +4181,21 @@
           <a:p>
             <a:r>
               <a:rPr lang="en-US" sz="3600" b="1" dirty="0"/>
-              <a:t>Robust Mean Reversion (‘RMR</a:t>
-            </a:r>
-            <a:r>
-              <a:rPr lang="en-US" sz="3600" b="1" dirty="0" smtClean="0"/>
-              <a:t>’) – 2</a:t>
-            </a:r>
-            <a:r>
-              <a:rPr lang="en-US" sz="3600" b="1" baseline="30000" dirty="0" smtClean="0"/>
+              <a:t>Robust Mean Reversion (‘RMR’) – 2</a:t>
+            </a:r>
+            <a:r>
+              <a:rPr lang="en-US" sz="3600" b="1" baseline="30000" dirty="0"/>
               <a:t>nd</a:t>
             </a:r>
             <a:r>
-              <a:rPr lang="en-US" sz="3600" b="1" dirty="0" smtClean="0"/>
+              <a:rPr lang="en-US" sz="3600" b="1" dirty="0"/>
               <a:t> Optimization Problem</a:t>
             </a:r>
-            <a:endParaRPr lang="en-US" sz="3600" b="1" dirty="0"/>
           </a:p>
         </p:txBody>
       </p:sp>
-      <mc:AlternateContent xmlns:mc="http://schemas.openxmlformats.org/markup-compatibility/2006" xmlns:a14="http://schemas.microsoft.com/office/drawing/2010/main">
-        <mc:Choice Requires="a14">
+      <mc:AlternateContent xmlns:mc="http://schemas.openxmlformats.org/markup-compatibility/2006">
+        <mc:Choice xmlns:a14="http://schemas.microsoft.com/office/drawing/2010/main" Requires="a14">
           <p:sp>
             <p:nvSpPr>
               <p:cNvPr id="3" name="Content Placeholder 2">
@@ -4233,83 +4228,6 @@
                   <a:rPr lang="en-US" altLang="zh-CN" dirty="0"/>
                   <a:t>Portfolio Vector</a:t>
                 </a:r>
-              </a:p>
-              <a:p>
-                <a:pPr lvl="1"/>
-                <a:r>
-                  <a:rPr lang="en-US" altLang="zh-CN" dirty="0"/>
-                  <a:t>The basic idea is to maximize the expected return </a:t>
-                </a:r>
-                <a14:m>
-                  <m:oMath xmlns:m="http://schemas.openxmlformats.org/officeDocument/2006/math">
-                    <m:r>
-                      <a:rPr lang="en-US" altLang="zh-CN" b="0" i="1" smtClean="0">
-                        <a:latin typeface="Cambria Math" panose="02040503050406030204" pitchFamily="18" charset="0"/>
-                      </a:rPr>
-                      <m:t>𝑏</m:t>
-                    </m:r>
-                    <m:r>
-                      <a:rPr lang="en-US" altLang="zh-CN" b="0" i="1" smtClean="0">
-                        <a:latin typeface="Cambria Math" panose="02040503050406030204" pitchFamily="18" charset="0"/>
-                        <a:ea typeface="Cambria Math" panose="02040503050406030204" pitchFamily="18" charset="0"/>
-                      </a:rPr>
-                      <m:t>×</m:t>
-                    </m:r>
-                    <m:sSub>
-                      <m:sSubPr>
-                        <m:ctrlPr>
-                          <a:rPr lang="en-US" altLang="zh-CN" b="0" i="1" smtClean="0">
-                            <a:latin typeface="Cambria Math" panose="02040503050406030204" pitchFamily="18" charset="0"/>
-                            <a:ea typeface="Cambria Math" panose="02040503050406030204" pitchFamily="18" charset="0"/>
-                          </a:rPr>
-                        </m:ctrlPr>
-                      </m:sSubPr>
-                      <m:e>
-                        <m:acc>
-                          <m:accPr>
-                            <m:chr m:val="̃"/>
-                            <m:ctrlPr>
-                              <a:rPr lang="en-US" altLang="zh-CN" b="0" i="1" smtClean="0">
-                                <a:latin typeface="Cambria Math" panose="02040503050406030204" pitchFamily="18" charset="0"/>
-                                <a:ea typeface="Cambria Math" panose="02040503050406030204" pitchFamily="18" charset="0"/>
-                              </a:rPr>
-                            </m:ctrlPr>
-                          </m:accPr>
-                          <m:e>
-                            <m:r>
-                              <a:rPr lang="en-US" altLang="zh-CN" b="0" i="1" smtClean="0">
-                                <a:latin typeface="Cambria Math" panose="02040503050406030204" pitchFamily="18" charset="0"/>
-                                <a:ea typeface="Cambria Math" panose="02040503050406030204" pitchFamily="18" charset="0"/>
-                              </a:rPr>
-                              <m:t>𝑥</m:t>
-                            </m:r>
-                          </m:e>
-                        </m:acc>
-                      </m:e>
-                      <m:sub>
-                        <m:r>
-                          <a:rPr lang="en-US" altLang="zh-CN" b="0" i="1" smtClean="0">
-                            <a:latin typeface="Cambria Math" panose="02040503050406030204" pitchFamily="18" charset="0"/>
-                            <a:ea typeface="Cambria Math" panose="02040503050406030204" pitchFamily="18" charset="0"/>
-                          </a:rPr>
-                          <m:t>𝑡</m:t>
-                        </m:r>
-                        <m:r>
-                          <a:rPr lang="en-US" altLang="zh-CN" b="0" i="1" smtClean="0">
-                            <a:latin typeface="Cambria Math" panose="02040503050406030204" pitchFamily="18" charset="0"/>
-                            <a:ea typeface="Cambria Math" panose="02040503050406030204" pitchFamily="18" charset="0"/>
-                          </a:rPr>
-                          <m:t>+1</m:t>
-                        </m:r>
-                      </m:sub>
-                    </m:sSub>
-                  </m:oMath>
-                </a14:m>
-                <a:r>
-                  <a:rPr lang="en-US" altLang="zh-CN" dirty="0"/>
-                  <a:t> while keeping last portfolio information via regularization:</a:t>
-                </a:r>
-                <a:endParaRPr lang="en-US" dirty="0"/>
               </a:p>
               <a:p>
                 <a:pPr lvl="2"/>
@@ -4638,6 +4556,10 @@
               </a:p>
               <a:p>
                 <a:pPr lvl="1"/>
+                <a:endParaRPr lang="en-US" dirty="0"/>
+              </a:p>
+              <a:p>
+                <a:pPr lvl="1"/>
                 <a:r>
                   <a:rPr lang="en-US" dirty="0"/>
                   <a:t>The above formulation attempts to find an optimal portfolio by minimizing the deviation from last portfolio </a:t>
@@ -4769,7 +4691,7 @@
             </p:txBody>
           </p:sp>
         </mc:Choice>
-        <mc:Fallback xmlns="">
+        <mc:Fallback>
           <p:sp>
             <p:nvSpPr>
               <p:cNvPr id="3" name="Content Placeholder 2">
@@ -4794,7 +4716,7 @@
               <a:blipFill>
                 <a:blip r:embed="rId2"/>
                 <a:stretch>
-                  <a:fillRect l="-1043" t="-2188" r="-522"/>
+                  <a:fillRect l="-965" t="-1872"/>
                 </a:stretch>
               </a:blipFill>
             </p:spPr>
@@ -4902,49 +4824,342 @@
         </p:blipFill>
         <p:spPr>
           <a:xfrm>
-            <a:off x="2063959" y="2190437"/>
-            <a:ext cx="7247681" cy="4258946"/>
+            <a:off x="5799084" y="2869305"/>
+            <a:ext cx="5640124" cy="3314299"/>
           </a:xfrm>
           <a:prstGeom prst="rect">
             <a:avLst/>
           </a:prstGeom>
         </p:spPr>
       </p:pic>
-      <p:sp>
-        <p:nvSpPr>
-          <p:cNvPr id="5" name="TextBox 4">
+      <mc:AlternateContent xmlns:mc="http://schemas.openxmlformats.org/markup-compatibility/2006">
+        <mc:Choice xmlns:a14="http://schemas.microsoft.com/office/drawing/2010/main" Requires="a14">
+          <p:sp>
+            <p:nvSpPr>
+              <p:cNvPr id="5" name="TextBox 4">
+                <a:extLst>
+                  <a:ext uri="{FF2B5EF4-FFF2-40B4-BE49-F238E27FC236}">
+                    <a16:creationId xmlns:a16="http://schemas.microsoft.com/office/drawing/2014/main" id="{D5676B21-881F-4837-933A-E88868B81C7B}"/>
+                  </a:ext>
+                </a:extLst>
+              </p:cNvPr>
+              <p:cNvSpPr txBox="1"/>
+              <p:nvPr/>
+            </p:nvSpPr>
+            <p:spPr>
+              <a:xfrm>
+                <a:off x="914400" y="1541206"/>
+                <a:ext cx="10803988" cy="954107"/>
+              </a:xfrm>
+              <a:prstGeom prst="rect">
+                <a:avLst/>
+              </a:prstGeom>
+              <a:noFill/>
+            </p:spPr>
+            <p:txBody>
+              <a:bodyPr wrap="square" rtlCol="0">
+                <a:spAutoFit/>
+              </a:bodyPr>
+              <a:lstStyle/>
+              <a:p>
+                <a:r>
+                  <a:rPr lang="en-US" sz="2800" dirty="0"/>
+                  <a:t>1. Optimization problem 1 </a:t>
+                </a:r>
+                <a14:m>
+                  <m:oMath xmlns:m="http://schemas.openxmlformats.org/officeDocument/2006/math">
+                    <m:r>
+                      <a:rPr lang="en-US" sz="1700" i="1">
+                        <a:latin typeface="Cambria Math" panose="02040503050406030204" pitchFamily="18" charset="0"/>
+                        <a:ea typeface="Cambria Math" panose="02040503050406030204" pitchFamily="18" charset="0"/>
+                      </a:rPr>
+                      <m:t>𝜇</m:t>
+                    </m:r>
+                    <m:r>
+                      <a:rPr lang="en-US" sz="1700" i="1">
+                        <a:latin typeface="Cambria Math" panose="02040503050406030204" pitchFamily="18" charset="0"/>
+                        <a:ea typeface="Cambria Math" panose="02040503050406030204" pitchFamily="18" charset="0"/>
+                      </a:rPr>
+                      <m:t>= </m:t>
+                    </m:r>
+                    <m:sSub>
+                      <m:sSubPr>
+                        <m:ctrlPr>
+                          <a:rPr lang="en-US" sz="1700" i="1">
+                            <a:latin typeface="Cambria Math" panose="02040503050406030204" pitchFamily="18" charset="0"/>
+                            <a:ea typeface="Cambria Math" panose="02040503050406030204" pitchFamily="18" charset="0"/>
+                          </a:rPr>
+                        </m:ctrlPr>
+                      </m:sSubPr>
+                      <m:e>
+                        <m:r>
+                          <a:rPr lang="en-US" sz="1700" i="1">
+                            <a:latin typeface="Cambria Math" panose="02040503050406030204" pitchFamily="18" charset="0"/>
+                            <a:ea typeface="Cambria Math" panose="02040503050406030204" pitchFamily="18" charset="0"/>
+                          </a:rPr>
+                          <m:t>𝑎𝑟𝑔𝑚𝑖𝑛</m:t>
+                        </m:r>
+                      </m:e>
+                      <m:sub>
+                        <m:r>
+                          <a:rPr lang="en-US" sz="1700" i="1">
+                            <a:latin typeface="Cambria Math" panose="02040503050406030204" pitchFamily="18" charset="0"/>
+                            <a:ea typeface="Cambria Math" panose="02040503050406030204" pitchFamily="18" charset="0"/>
+                          </a:rPr>
+                          <m:t>𝜇</m:t>
+                        </m:r>
+                      </m:sub>
+                    </m:sSub>
+                    <m:nary>
+                      <m:naryPr>
+                        <m:chr m:val="∑"/>
+                        <m:ctrlPr>
+                          <a:rPr lang="en-US" sz="1700" i="1">
+                            <a:latin typeface="Cambria Math" panose="02040503050406030204" pitchFamily="18" charset="0"/>
+                            <a:ea typeface="Cambria Math" panose="02040503050406030204" pitchFamily="18" charset="0"/>
+                          </a:rPr>
+                        </m:ctrlPr>
+                      </m:naryPr>
+                      <m:sub>
+                        <m:r>
+                          <m:rPr>
+                            <m:brk m:alnAt="23"/>
+                          </m:rPr>
+                          <a:rPr lang="en-US" sz="1700" i="1">
+                            <a:latin typeface="Cambria Math" panose="02040503050406030204" pitchFamily="18" charset="0"/>
+                            <a:ea typeface="Cambria Math" panose="02040503050406030204" pitchFamily="18" charset="0"/>
+                          </a:rPr>
+                          <m:t>𝑖</m:t>
+                        </m:r>
+                        <m:r>
+                          <a:rPr lang="en-US" sz="1700" i="1">
+                            <a:latin typeface="Cambria Math" panose="02040503050406030204" pitchFamily="18" charset="0"/>
+                            <a:ea typeface="Cambria Math" panose="02040503050406030204" pitchFamily="18" charset="0"/>
+                          </a:rPr>
+                          <m:t>=0</m:t>
+                        </m:r>
+                      </m:sub>
+                      <m:sup>
+                        <m:r>
+                          <m:rPr>
+                            <m:sty m:val="p"/>
+                          </m:rPr>
+                          <a:rPr lang="en-US" altLang="zh-CN" sz="1700" i="1">
+                            <a:latin typeface="Cambria Math" panose="02040503050406030204" pitchFamily="18" charset="0"/>
+                            <a:ea typeface="Cambria Math" panose="02040503050406030204" pitchFamily="18" charset="0"/>
+                          </a:rPr>
+                          <m:t>k</m:t>
+                        </m:r>
+                        <m:r>
+                          <a:rPr lang="en-US" altLang="zh-CN" sz="1700" i="1">
+                            <a:latin typeface="Cambria Math" panose="02040503050406030204" pitchFamily="18" charset="0"/>
+                            <a:ea typeface="Cambria Math" panose="02040503050406030204" pitchFamily="18" charset="0"/>
+                          </a:rPr>
+                          <m:t>−1</m:t>
+                        </m:r>
+                      </m:sup>
+                      <m:e>
+                        <m:d>
+                          <m:dPr>
+                            <m:begChr m:val="‖"/>
+                            <m:endChr m:val="‖"/>
+                            <m:ctrlPr>
+                              <a:rPr lang="en-US" sz="1700" i="1">
+                                <a:latin typeface="Cambria Math" panose="02040503050406030204" pitchFamily="18" charset="0"/>
+                                <a:ea typeface="Cambria Math" panose="02040503050406030204" pitchFamily="18" charset="0"/>
+                              </a:rPr>
+                            </m:ctrlPr>
+                          </m:dPr>
+                          <m:e>
+                            <m:sSub>
+                              <m:sSubPr>
+                                <m:ctrlPr>
+                                  <a:rPr lang="en-US" sz="1700" i="1">
+                                    <a:latin typeface="Cambria Math" panose="02040503050406030204" pitchFamily="18" charset="0"/>
+                                    <a:ea typeface="Cambria Math" panose="02040503050406030204" pitchFamily="18" charset="0"/>
+                                  </a:rPr>
+                                </m:ctrlPr>
+                              </m:sSubPr>
+                              <m:e>
+                                <m:r>
+                                  <a:rPr lang="en-US" sz="1700" i="1">
+                                    <a:latin typeface="Cambria Math" panose="02040503050406030204" pitchFamily="18" charset="0"/>
+                                    <a:ea typeface="Cambria Math" panose="02040503050406030204" pitchFamily="18" charset="0"/>
+                                  </a:rPr>
+                                  <m:t>𝑃</m:t>
+                                </m:r>
+                              </m:e>
+                              <m:sub>
+                                <m:r>
+                                  <a:rPr lang="en-US" sz="1700" i="1">
+                                    <a:latin typeface="Cambria Math" panose="02040503050406030204" pitchFamily="18" charset="0"/>
+                                    <a:ea typeface="Cambria Math" panose="02040503050406030204" pitchFamily="18" charset="0"/>
+                                  </a:rPr>
+                                  <m:t>𝑡</m:t>
+                                </m:r>
+                                <m:r>
+                                  <a:rPr lang="en-US" sz="1700" i="1">
+                                    <a:latin typeface="Cambria Math" panose="02040503050406030204" pitchFamily="18" charset="0"/>
+                                    <a:ea typeface="Cambria Math" panose="02040503050406030204" pitchFamily="18" charset="0"/>
+                                  </a:rPr>
+                                  <m:t>−</m:t>
+                                </m:r>
+                                <m:r>
+                                  <a:rPr lang="en-US" sz="1700" i="1">
+                                    <a:latin typeface="Cambria Math" panose="02040503050406030204" pitchFamily="18" charset="0"/>
+                                    <a:ea typeface="Cambria Math" panose="02040503050406030204" pitchFamily="18" charset="0"/>
+                                  </a:rPr>
+                                  <m:t>𝑖</m:t>
+                                </m:r>
+                              </m:sub>
+                            </m:sSub>
+                            <m:r>
+                              <a:rPr lang="en-US" sz="1700" i="1">
+                                <a:latin typeface="Cambria Math" panose="02040503050406030204" pitchFamily="18" charset="0"/>
+                                <a:ea typeface="Cambria Math" panose="02040503050406030204" pitchFamily="18" charset="0"/>
+                              </a:rPr>
+                              <m:t>− </m:t>
+                            </m:r>
+                            <m:r>
+                              <a:rPr lang="en-US" sz="1700" i="1">
+                                <a:latin typeface="Cambria Math" panose="02040503050406030204" pitchFamily="18" charset="0"/>
+                                <a:ea typeface="Cambria Math" panose="02040503050406030204" pitchFamily="18" charset="0"/>
+                              </a:rPr>
+                              <m:t>𝜇</m:t>
+                            </m:r>
+                          </m:e>
+                        </m:d>
+                      </m:e>
+                    </m:nary>
+                  </m:oMath>
+                </a14:m>
+                <a:r>
+                  <a:rPr lang="en-US" sz="1700" dirty="0"/>
+                  <a:t>, where</a:t>
+                </a:r>
+                <a:r>
+                  <a:rPr lang="en-US" sz="1700" dirty="0">
+                    <a:ea typeface="Cambria Math" panose="02040503050406030204" pitchFamily="18" charset="0"/>
+                  </a:rPr>
+                  <a:t> </a:t>
+                </a:r>
+                <a14:m>
+                  <m:oMath xmlns:m="http://schemas.openxmlformats.org/officeDocument/2006/math">
+                    <m:d>
+                      <m:dPr>
+                        <m:begChr m:val="‖"/>
+                        <m:endChr m:val="‖"/>
+                        <m:ctrlPr>
+                          <a:rPr lang="en-US" sz="1700" i="1">
+                            <a:latin typeface="Cambria Math" panose="02040503050406030204" pitchFamily="18" charset="0"/>
+                            <a:ea typeface="Cambria Math" panose="02040503050406030204" pitchFamily="18" charset="0"/>
+                          </a:rPr>
+                        </m:ctrlPr>
+                      </m:dPr>
+                      <m:e>
+                        <m:r>
+                          <a:rPr lang="en-US" sz="1700" i="1">
+                            <a:latin typeface="Cambria Math" panose="02040503050406030204" pitchFamily="18" charset="0"/>
+                            <a:ea typeface="Cambria Math" panose="02040503050406030204" pitchFamily="18" charset="0"/>
+                          </a:rPr>
+                          <m:t> .</m:t>
+                        </m:r>
+                      </m:e>
+                    </m:d>
+                  </m:oMath>
+                </a14:m>
+                <a:r>
+                  <a:rPr lang="en-US" sz="1700" dirty="0"/>
+                  <a:t>denotes the Euclidean norm.</a:t>
+                </a:r>
+              </a:p>
+              <a:p>
+                <a:endParaRPr lang="en-US" sz="2800" dirty="0"/>
+              </a:p>
+            </p:txBody>
+          </p:sp>
+        </mc:Choice>
+        <mc:Fallback>
+          <p:sp>
+            <p:nvSpPr>
+              <p:cNvPr id="5" name="TextBox 4">
+                <a:extLst>
+                  <a:ext uri="{FF2B5EF4-FFF2-40B4-BE49-F238E27FC236}">
+                    <a16:creationId xmlns:a16="http://schemas.microsoft.com/office/drawing/2014/main" id="{D5676B21-881F-4837-933A-E88868B81C7B}"/>
+                  </a:ext>
+                </a:extLst>
+              </p:cNvPr>
+              <p:cNvSpPr txBox="1">
+                <a:spLocks noRot="1" noChangeAspect="1" noMove="1" noResize="1" noEditPoints="1" noAdjustHandles="1" noChangeArrowheads="1" noChangeShapeType="1" noTextEdit="1"/>
+              </p:cNvSpPr>
+              <p:nvPr/>
+            </p:nvSpPr>
+            <p:spPr>
+              <a:xfrm>
+                <a:off x="914400" y="1541206"/>
+                <a:ext cx="10803988" cy="954107"/>
+              </a:xfrm>
+              <a:prstGeom prst="rect">
+                <a:avLst/>
+              </a:prstGeom>
+              <a:blipFill>
+                <a:blip r:embed="rId3"/>
+                <a:stretch>
+                  <a:fillRect l="-1293" t="-26316" b="-13158"/>
+                </a:stretch>
+              </a:blipFill>
+            </p:spPr>
+            <p:txBody>
+              <a:bodyPr/>
+              <a:lstStyle/>
+              <a:p>
+                <a:r>
+                  <a:rPr lang="en-US">
+                    <a:noFill/>
+                  </a:rPr>
+                  <a:t> </a:t>
+                </a:r>
+              </a:p>
+            </p:txBody>
+          </p:sp>
+        </mc:Fallback>
+      </mc:AlternateContent>
+      <p:pic>
+        <p:nvPicPr>
+          <p:cNvPr id="6" name="Picture 5">
             <a:extLst>
               <a:ext uri="{FF2B5EF4-FFF2-40B4-BE49-F238E27FC236}">
-                <a16:creationId xmlns:a16="http://schemas.microsoft.com/office/drawing/2014/main" id="{D5676B21-881F-4837-933A-E88868B81C7B}"/>
+                <a16:creationId xmlns:a16="http://schemas.microsoft.com/office/drawing/2014/main" id="{1008C6F4-5D3A-2647-A8DA-DE2C78CA8DDB}"/>
               </a:ext>
             </a:extLst>
           </p:cNvPr>
-          <p:cNvSpPr txBox="1"/>
+          <p:cNvPicPr>
+            <a:picLocks noChangeAspect="1"/>
+          </p:cNvPicPr>
           <p:nvPr/>
-        </p:nvSpPr>
+        </p:nvPicPr>
+        <p:blipFill>
+          <a:blip r:embed="rId4">
+            <a:extLst>
+              <a:ext uri="{28A0092B-C50C-407E-A947-70E740481C1C}">
+                <a14:useLocalDpi xmlns:a14="http://schemas.microsoft.com/office/drawing/2010/main" val="0"/>
+              </a:ext>
+            </a:extLst>
+          </a:blip>
+          <a:stretch>
+            <a:fillRect/>
+          </a:stretch>
+        </p:blipFill>
         <p:spPr>
           <a:xfrm>
-            <a:off x="914400" y="1541206"/>
-            <a:ext cx="6467168" cy="523220"/>
+            <a:off x="688713" y="2832550"/>
+            <a:ext cx="5110371" cy="3314299"/>
           </a:xfrm>
           <a:prstGeom prst="rect">
             <a:avLst/>
           </a:prstGeom>
-          <a:noFill/>
         </p:spPr>
-        <p:txBody>
-          <a:bodyPr wrap="square" rtlCol="0">
-            <a:spAutoFit/>
-          </a:bodyPr>
-          <a:lstStyle/>
-          <a:p>
-            <a:r>
-              <a:rPr lang="en-US" sz="2800" dirty="0"/>
-              <a:t>1. Price and relative price</a:t>
-            </a:r>
-          </a:p>
-        </p:txBody>
-      </p:sp>
+      </p:pic>
     </p:spTree>
     <p:extLst>
       <p:ext uri="{BB962C8B-B14F-4D97-AF65-F5344CB8AC3E}">
@@ -5010,46 +5225,6 @@
           </a:p>
         </p:txBody>
       </p:sp>
-      <p:sp>
-        <p:nvSpPr>
-          <p:cNvPr id="5" name="TextBox 4">
-            <a:extLst>
-              <a:ext uri="{FF2B5EF4-FFF2-40B4-BE49-F238E27FC236}">
-                <a16:creationId xmlns:a16="http://schemas.microsoft.com/office/drawing/2014/main" id="{D5676B21-881F-4837-933A-E88868B81C7B}"/>
-              </a:ext>
-            </a:extLst>
-          </p:cNvPr>
-          <p:cNvSpPr txBox="1"/>
-          <p:nvPr/>
-        </p:nvSpPr>
-        <p:spPr>
-          <a:xfrm>
-            <a:off x="914400" y="1541206"/>
-            <a:ext cx="6467168" cy="523220"/>
-          </a:xfrm>
-          <a:prstGeom prst="rect">
-            <a:avLst/>
-          </a:prstGeom>
-          <a:noFill/>
-        </p:spPr>
-        <p:txBody>
-          <a:bodyPr wrap="square" rtlCol="0">
-            <a:spAutoFit/>
-          </a:bodyPr>
-          <a:lstStyle/>
-          <a:p>
-            <a:r>
-              <a:rPr lang="en-US" sz="2800" dirty="0"/>
-              <a:t>2. </a:t>
-            </a:r>
-            <a:r>
-              <a:rPr lang="en-US" altLang="zh-CN" sz="2800" dirty="0"/>
-              <a:t>Portfolio</a:t>
-            </a:r>
-            <a:endParaRPr lang="en-US" sz="2800" dirty="0"/>
-          </a:p>
-        </p:txBody>
-      </p:sp>
       <p:pic>
         <p:nvPicPr>
           <p:cNvPr id="7" name="Content Placeholder 6">
@@ -5074,14 +5249,530 @@
         </p:blipFill>
         <p:spPr>
           <a:xfrm>
-            <a:off x="2886350" y="2145665"/>
-            <a:ext cx="6744831" cy="4572000"/>
+            <a:off x="5964702" y="2560320"/>
+            <a:ext cx="5623388" cy="4046958"/>
           </a:xfrm>
           <a:prstGeom prst="rect">
             <a:avLst/>
           </a:prstGeom>
         </p:spPr>
       </p:pic>
+      <p:pic>
+        <p:nvPicPr>
+          <p:cNvPr id="9" name="Picture 8">
+            <a:extLst>
+              <a:ext uri="{FF2B5EF4-FFF2-40B4-BE49-F238E27FC236}">
+                <a16:creationId xmlns:a16="http://schemas.microsoft.com/office/drawing/2014/main" id="{EEBADE27-1621-0645-A70D-215C47FE8F47}"/>
+              </a:ext>
+            </a:extLst>
+          </p:cNvPr>
+          <p:cNvPicPr>
+            <a:picLocks noChangeAspect="1"/>
+          </p:cNvPicPr>
+          <p:nvPr/>
+        </p:nvPicPr>
+        <p:blipFill>
+          <a:blip r:embed="rId3">
+            <a:extLst>
+              <a:ext uri="{28A0092B-C50C-407E-A947-70E740481C1C}">
+                <a14:useLocalDpi xmlns:a14="http://schemas.microsoft.com/office/drawing/2010/main" val="0"/>
+              </a:ext>
+            </a:extLst>
+          </a:blip>
+          <a:stretch>
+            <a:fillRect/>
+          </a:stretch>
+        </p:blipFill>
+        <p:spPr>
+          <a:xfrm>
+            <a:off x="326681" y="4197585"/>
+            <a:ext cx="5385309" cy="2179516"/>
+          </a:xfrm>
+          <a:prstGeom prst="rect">
+            <a:avLst/>
+          </a:prstGeom>
+        </p:spPr>
+      </p:pic>
+      <p:pic>
+        <p:nvPicPr>
+          <p:cNvPr id="14" name="Picture 13">
+            <a:extLst>
+              <a:ext uri="{FF2B5EF4-FFF2-40B4-BE49-F238E27FC236}">
+                <a16:creationId xmlns:a16="http://schemas.microsoft.com/office/drawing/2014/main" id="{07BA3DCF-6F64-0B4A-BBC5-0FCEA2BABA10}"/>
+              </a:ext>
+            </a:extLst>
+          </p:cNvPr>
+          <p:cNvPicPr>
+            <a:picLocks noChangeAspect="1"/>
+          </p:cNvPicPr>
+          <p:nvPr/>
+        </p:nvPicPr>
+        <p:blipFill>
+          <a:blip r:embed="rId4">
+            <a:extLst>
+              <a:ext uri="{28A0092B-C50C-407E-A947-70E740481C1C}">
+                <a14:useLocalDpi xmlns:a14="http://schemas.microsoft.com/office/drawing/2010/main" val="0"/>
+              </a:ext>
+            </a:extLst>
+          </a:blip>
+          <a:stretch>
+            <a:fillRect/>
+          </a:stretch>
+        </p:blipFill>
+        <p:spPr>
+          <a:xfrm>
+            <a:off x="491455" y="2280814"/>
+            <a:ext cx="5055760" cy="1175006"/>
+          </a:xfrm>
+          <a:prstGeom prst="rect">
+            <a:avLst/>
+          </a:prstGeom>
+        </p:spPr>
+      </p:pic>
+      <p:sp>
+        <p:nvSpPr>
+          <p:cNvPr id="15" name="TextBox 14">
+            <a:extLst>
+              <a:ext uri="{FF2B5EF4-FFF2-40B4-BE49-F238E27FC236}">
+                <a16:creationId xmlns:a16="http://schemas.microsoft.com/office/drawing/2014/main" id="{8B21CFDD-3189-2248-BCD6-31F169F32BF0}"/>
+              </a:ext>
+            </a:extLst>
+          </p:cNvPr>
+          <p:cNvSpPr txBox="1"/>
+          <p:nvPr/>
+        </p:nvSpPr>
+        <p:spPr>
+          <a:xfrm>
+            <a:off x="326681" y="3828253"/>
+            <a:ext cx="1023037" cy="369332"/>
+          </a:xfrm>
+          <a:prstGeom prst="rect">
+            <a:avLst/>
+          </a:prstGeom>
+          <a:noFill/>
+        </p:spPr>
+        <p:txBody>
+          <a:bodyPr wrap="none" rtlCol="0">
+            <a:spAutoFit/>
+          </a:bodyPr>
+          <a:lstStyle/>
+          <a:p>
+            <a:r>
+              <a:rPr lang="en-US" dirty="0"/>
+              <a:t>Solution:</a:t>
+            </a:r>
+          </a:p>
+        </p:txBody>
+      </p:sp>
+      <mc:AlternateContent xmlns:mc="http://schemas.openxmlformats.org/markup-compatibility/2006">
+        <mc:Choice xmlns:a14="http://schemas.microsoft.com/office/drawing/2010/main" Requires="a14">
+          <p:sp>
+            <p:nvSpPr>
+              <p:cNvPr id="17" name="TextBox 16">
+                <a:extLst>
+                  <a:ext uri="{FF2B5EF4-FFF2-40B4-BE49-F238E27FC236}">
+                    <a16:creationId xmlns:a16="http://schemas.microsoft.com/office/drawing/2014/main" id="{9053B9AC-4F54-9E4D-92B6-326C26665179}"/>
+                  </a:ext>
+                </a:extLst>
+              </p:cNvPr>
+              <p:cNvSpPr txBox="1"/>
+              <p:nvPr/>
+            </p:nvSpPr>
+            <p:spPr>
+              <a:xfrm>
+                <a:off x="0" y="1544878"/>
+                <a:ext cx="10803988" cy="954107"/>
+              </a:xfrm>
+              <a:prstGeom prst="rect">
+                <a:avLst/>
+              </a:prstGeom>
+              <a:noFill/>
+            </p:spPr>
+            <p:txBody>
+              <a:bodyPr wrap="square" rtlCol="0">
+                <a:spAutoFit/>
+              </a:bodyPr>
+              <a:lstStyle/>
+              <a:p>
+                <a:pPr lvl="2"/>
+                <a:r>
+                  <a:rPr lang="en-US" sz="2800" dirty="0"/>
+                  <a:t>2. Optimization problem 2 </a:t>
+                </a:r>
+                <a14:m>
+                  <m:oMath xmlns:m="http://schemas.openxmlformats.org/officeDocument/2006/math">
+                    <m:sSub>
+                      <m:sSubPr>
+                        <m:ctrlPr>
+                          <a:rPr lang="en-US" i="1">
+                            <a:latin typeface="Cambria Math" panose="02040503050406030204" pitchFamily="18" charset="0"/>
+                            <a:ea typeface="Cambria Math" panose="02040503050406030204" pitchFamily="18" charset="0"/>
+                          </a:rPr>
+                        </m:ctrlPr>
+                      </m:sSubPr>
+                      <m:e>
+                        <m:r>
+                          <a:rPr lang="en-US" i="1">
+                            <a:latin typeface="Cambria Math" panose="02040503050406030204" pitchFamily="18" charset="0"/>
+                            <a:ea typeface="Cambria Math" panose="02040503050406030204" pitchFamily="18" charset="0"/>
+                          </a:rPr>
+                          <m:t>𝑏</m:t>
+                        </m:r>
+                      </m:e>
+                      <m:sub>
+                        <m:r>
+                          <a:rPr lang="en-US" i="1">
+                            <a:latin typeface="Cambria Math" panose="02040503050406030204" pitchFamily="18" charset="0"/>
+                            <a:ea typeface="Cambria Math" panose="02040503050406030204" pitchFamily="18" charset="0"/>
+                          </a:rPr>
+                          <m:t>𝑡</m:t>
+                        </m:r>
+                        <m:r>
+                          <a:rPr lang="en-US" i="1">
+                            <a:latin typeface="Cambria Math" panose="02040503050406030204" pitchFamily="18" charset="0"/>
+                            <a:ea typeface="Cambria Math" panose="02040503050406030204" pitchFamily="18" charset="0"/>
+                          </a:rPr>
+                          <m:t>+1</m:t>
+                        </m:r>
+                      </m:sub>
+                    </m:sSub>
+                    <m:r>
+                      <a:rPr lang="en-US" i="1">
+                        <a:latin typeface="Cambria Math" panose="02040503050406030204" pitchFamily="18" charset="0"/>
+                        <a:ea typeface="Cambria Math" panose="02040503050406030204" pitchFamily="18" charset="0"/>
+                      </a:rPr>
+                      <m:t>= </m:t>
+                    </m:r>
+                    <m:sSub>
+                      <m:sSubPr>
+                        <m:ctrlPr>
+                          <a:rPr lang="en-US" i="1">
+                            <a:latin typeface="Cambria Math" panose="02040503050406030204" pitchFamily="18" charset="0"/>
+                            <a:ea typeface="Cambria Math" panose="02040503050406030204" pitchFamily="18" charset="0"/>
+                          </a:rPr>
+                        </m:ctrlPr>
+                      </m:sSubPr>
+                      <m:e>
+                        <m:r>
+                          <a:rPr lang="en-US" i="1">
+                            <a:latin typeface="Cambria Math" panose="02040503050406030204" pitchFamily="18" charset="0"/>
+                            <a:ea typeface="Cambria Math" panose="02040503050406030204" pitchFamily="18" charset="0"/>
+                          </a:rPr>
+                          <m:t>𝑎𝑟𝑔𝑚𝑖𝑛</m:t>
+                        </m:r>
+                      </m:e>
+                      <m:sub>
+                        <m:r>
+                          <a:rPr lang="en-US" i="1">
+                            <a:latin typeface="Cambria Math" panose="02040503050406030204" pitchFamily="18" charset="0"/>
+                            <a:ea typeface="Cambria Math" panose="02040503050406030204" pitchFamily="18" charset="0"/>
+                          </a:rPr>
+                          <m:t>𝑏</m:t>
+                        </m:r>
+                        <m:r>
+                          <a:rPr lang="en-US" i="1">
+                            <a:latin typeface="Cambria Math" panose="02040503050406030204" pitchFamily="18" charset="0"/>
+                            <a:ea typeface="Cambria Math" panose="02040503050406030204" pitchFamily="18" charset="0"/>
+                          </a:rPr>
+                          <m:t>∈∆</m:t>
+                        </m:r>
+                        <m:r>
+                          <a:rPr lang="en-US" i="1">
+                            <a:latin typeface="Cambria Math" panose="02040503050406030204" pitchFamily="18" charset="0"/>
+                            <a:ea typeface="Cambria Math" panose="02040503050406030204" pitchFamily="18" charset="0"/>
+                          </a:rPr>
+                          <m:t>𝑑</m:t>
+                        </m:r>
+                      </m:sub>
+                    </m:sSub>
+                    <m:sSup>
+                      <m:sSupPr>
+                        <m:ctrlPr>
+                          <a:rPr lang="en-US" i="1">
+                            <a:latin typeface="Cambria Math" panose="02040503050406030204" pitchFamily="18" charset="0"/>
+                            <a:ea typeface="Cambria Math" panose="02040503050406030204" pitchFamily="18" charset="0"/>
+                          </a:rPr>
+                        </m:ctrlPr>
+                      </m:sSupPr>
+                      <m:e>
+                        <m:f>
+                          <m:fPr>
+                            <m:ctrlPr>
+                              <a:rPr lang="en-US" i="1">
+                                <a:latin typeface="Cambria Math" panose="02040503050406030204" pitchFamily="18" charset="0"/>
+                                <a:ea typeface="Cambria Math" panose="02040503050406030204" pitchFamily="18" charset="0"/>
+                              </a:rPr>
+                            </m:ctrlPr>
+                          </m:fPr>
+                          <m:num>
+                            <m:r>
+                              <a:rPr lang="en-US" i="1">
+                                <a:latin typeface="Cambria Math" panose="02040503050406030204" pitchFamily="18" charset="0"/>
+                                <a:ea typeface="Cambria Math" panose="02040503050406030204" pitchFamily="18" charset="0"/>
+                              </a:rPr>
+                              <m:t>1</m:t>
+                            </m:r>
+                          </m:num>
+                          <m:den>
+                            <m:r>
+                              <a:rPr lang="en-US" i="1">
+                                <a:latin typeface="Cambria Math" panose="02040503050406030204" pitchFamily="18" charset="0"/>
+                                <a:ea typeface="Cambria Math" panose="02040503050406030204" pitchFamily="18" charset="0"/>
+                              </a:rPr>
+                              <m:t>2</m:t>
+                            </m:r>
+                          </m:den>
+                        </m:f>
+                        <m:d>
+                          <m:dPr>
+                            <m:begChr m:val="‖"/>
+                            <m:endChr m:val="‖"/>
+                            <m:ctrlPr>
+                              <a:rPr lang="en-US" i="1">
+                                <a:latin typeface="Cambria Math" panose="02040503050406030204" pitchFamily="18" charset="0"/>
+                                <a:ea typeface="Cambria Math" panose="02040503050406030204" pitchFamily="18" charset="0"/>
+                              </a:rPr>
+                            </m:ctrlPr>
+                          </m:dPr>
+                          <m:e>
+                            <m:r>
+                              <a:rPr lang="en-US" i="1">
+                                <a:latin typeface="Cambria Math" panose="02040503050406030204" pitchFamily="18" charset="0"/>
+                                <a:ea typeface="Cambria Math" panose="02040503050406030204" pitchFamily="18" charset="0"/>
+                              </a:rPr>
+                              <m:t>𝑏</m:t>
+                            </m:r>
+                            <m:r>
+                              <a:rPr lang="en-US" i="1">
+                                <a:latin typeface="Cambria Math" panose="02040503050406030204" pitchFamily="18" charset="0"/>
+                                <a:ea typeface="Cambria Math" panose="02040503050406030204" pitchFamily="18" charset="0"/>
+                              </a:rPr>
+                              <m:t>−</m:t>
+                            </m:r>
+                            <m:sSub>
+                              <m:sSubPr>
+                                <m:ctrlPr>
+                                  <a:rPr lang="en-US" i="1">
+                                    <a:latin typeface="Cambria Math" panose="02040503050406030204" pitchFamily="18" charset="0"/>
+                                    <a:ea typeface="Cambria Math" panose="02040503050406030204" pitchFamily="18" charset="0"/>
+                                  </a:rPr>
+                                </m:ctrlPr>
+                              </m:sSubPr>
+                              <m:e>
+                                <m:r>
+                                  <a:rPr lang="en-US" i="1">
+                                    <a:latin typeface="Cambria Math" panose="02040503050406030204" pitchFamily="18" charset="0"/>
+                                    <a:ea typeface="Cambria Math" panose="02040503050406030204" pitchFamily="18" charset="0"/>
+                                  </a:rPr>
+                                  <m:t>𝑏</m:t>
+                                </m:r>
+                              </m:e>
+                              <m:sub>
+                                <m:r>
+                                  <a:rPr lang="en-US" i="1">
+                                    <a:latin typeface="Cambria Math" panose="02040503050406030204" pitchFamily="18" charset="0"/>
+                                    <a:ea typeface="Cambria Math" panose="02040503050406030204" pitchFamily="18" charset="0"/>
+                                  </a:rPr>
+                                  <m:t>𝑡</m:t>
+                                </m:r>
+                              </m:sub>
+                            </m:sSub>
+                          </m:e>
+                        </m:d>
+                      </m:e>
+                      <m:sup>
+                        <m:r>
+                          <a:rPr lang="en-US" i="1">
+                            <a:latin typeface="Cambria Math" panose="02040503050406030204" pitchFamily="18" charset="0"/>
+                            <a:ea typeface="Cambria Math" panose="02040503050406030204" pitchFamily="18" charset="0"/>
+                          </a:rPr>
+                          <m:t>2</m:t>
+                        </m:r>
+                      </m:sup>
+                    </m:sSup>
+                    <m:r>
+                      <a:rPr lang="en-US">
+                        <a:latin typeface="Cambria Math" panose="02040503050406030204" pitchFamily="18" charset="0"/>
+                        <a:ea typeface="Cambria Math" panose="02040503050406030204" pitchFamily="18" charset="0"/>
+                      </a:rPr>
+                      <m:t> </m:t>
+                    </m:r>
+                    <m:r>
+                      <a:rPr lang="en-US" i="1">
+                        <a:latin typeface="Cambria Math" panose="02040503050406030204" pitchFamily="18" charset="0"/>
+                        <a:ea typeface="Cambria Math" panose="02040503050406030204" pitchFamily="18" charset="0"/>
+                      </a:rPr>
+                      <m:t>𝑠</m:t>
+                    </m:r>
+                    <m:r>
+                      <a:rPr lang="en-US" i="1">
+                        <a:latin typeface="Cambria Math" panose="02040503050406030204" pitchFamily="18" charset="0"/>
+                        <a:ea typeface="Cambria Math" panose="02040503050406030204" pitchFamily="18" charset="0"/>
+                      </a:rPr>
+                      <m:t>.</m:t>
+                    </m:r>
+                    <m:r>
+                      <a:rPr lang="en-US" i="1">
+                        <a:latin typeface="Cambria Math" panose="02040503050406030204" pitchFamily="18" charset="0"/>
+                        <a:ea typeface="Cambria Math" panose="02040503050406030204" pitchFamily="18" charset="0"/>
+                      </a:rPr>
+                      <m:t>𝑡</m:t>
+                    </m:r>
+                    <m:r>
+                      <a:rPr lang="en-US" i="1">
+                        <a:latin typeface="Cambria Math" panose="02040503050406030204" pitchFamily="18" charset="0"/>
+                        <a:ea typeface="Cambria Math" panose="02040503050406030204" pitchFamily="18" charset="0"/>
+                      </a:rPr>
+                      <m:t>.  </m:t>
+                    </m:r>
+                    <m:sSup>
+                      <m:sSupPr>
+                        <m:ctrlPr>
+                          <a:rPr lang="en-US" i="1">
+                            <a:latin typeface="Cambria Math" panose="02040503050406030204" pitchFamily="18" charset="0"/>
+                            <a:ea typeface="Cambria Math" panose="02040503050406030204" pitchFamily="18" charset="0"/>
+                          </a:rPr>
+                        </m:ctrlPr>
+                      </m:sSupPr>
+                      <m:e>
+                        <m:r>
+                          <a:rPr lang="en-US" i="1">
+                            <a:latin typeface="Cambria Math" panose="02040503050406030204" pitchFamily="18" charset="0"/>
+                            <a:ea typeface="Cambria Math" panose="02040503050406030204" pitchFamily="18" charset="0"/>
+                          </a:rPr>
+                          <m:t>𝑏</m:t>
+                        </m:r>
+                      </m:e>
+                      <m:sup>
+                        <m:r>
+                          <a:rPr lang="en-US" i="1">
+                            <a:latin typeface="Cambria Math" panose="02040503050406030204" pitchFamily="18" charset="0"/>
+                            <a:ea typeface="Cambria Math" panose="02040503050406030204" pitchFamily="18" charset="0"/>
+                          </a:rPr>
+                          <m:t>𝑇</m:t>
+                        </m:r>
+                      </m:sup>
+                    </m:sSup>
+                    <m:sSub>
+                      <m:sSubPr>
+                        <m:ctrlPr>
+                          <a:rPr lang="en-US" i="1">
+                            <a:latin typeface="Cambria Math" panose="02040503050406030204" pitchFamily="18" charset="0"/>
+                            <a:ea typeface="Cambria Math" panose="02040503050406030204" pitchFamily="18" charset="0"/>
+                          </a:rPr>
+                        </m:ctrlPr>
+                      </m:sSubPr>
+                      <m:e>
+                        <m:acc>
+                          <m:accPr>
+                            <m:chr m:val="̃"/>
+                            <m:ctrlPr>
+                              <a:rPr lang="en-US" i="1">
+                                <a:latin typeface="Cambria Math" panose="02040503050406030204" pitchFamily="18" charset="0"/>
+                                <a:ea typeface="Cambria Math" panose="02040503050406030204" pitchFamily="18" charset="0"/>
+                              </a:rPr>
+                            </m:ctrlPr>
+                          </m:accPr>
+                          <m:e>
+                            <m:r>
+                              <a:rPr lang="en-US" i="1">
+                                <a:latin typeface="Cambria Math" panose="02040503050406030204" pitchFamily="18" charset="0"/>
+                                <a:ea typeface="Cambria Math" panose="02040503050406030204" pitchFamily="18" charset="0"/>
+                              </a:rPr>
+                              <m:t>𝑥</m:t>
+                            </m:r>
+                          </m:e>
+                        </m:acc>
+                      </m:e>
+                      <m:sub>
+                        <m:r>
+                          <a:rPr lang="en-US" i="1">
+                            <a:latin typeface="Cambria Math" panose="02040503050406030204" pitchFamily="18" charset="0"/>
+                            <a:ea typeface="Cambria Math" panose="02040503050406030204" pitchFamily="18" charset="0"/>
+                          </a:rPr>
+                          <m:t>𝑡</m:t>
+                        </m:r>
+                        <m:r>
+                          <a:rPr lang="en-US" i="1">
+                            <a:latin typeface="Cambria Math" panose="02040503050406030204" pitchFamily="18" charset="0"/>
+                            <a:ea typeface="Cambria Math" panose="02040503050406030204" pitchFamily="18" charset="0"/>
+                          </a:rPr>
+                          <m:t>+1</m:t>
+                        </m:r>
+                      </m:sub>
+                    </m:sSub>
+                    <m:r>
+                      <a:rPr lang="en-US" i="1">
+                        <a:latin typeface="Cambria Math" panose="02040503050406030204" pitchFamily="18" charset="0"/>
+                        <a:ea typeface="Cambria Math" panose="02040503050406030204" pitchFamily="18" charset="0"/>
+                      </a:rPr>
+                      <m:t>≥</m:t>
+                    </m:r>
+                    <m:r>
+                      <a:rPr lang="en-US" i="1">
+                        <a:latin typeface="Cambria Math" panose="02040503050406030204" pitchFamily="18" charset="0"/>
+                        <a:ea typeface="Cambria Math" panose="02040503050406030204" pitchFamily="18" charset="0"/>
+                      </a:rPr>
+                      <m:t>𝜀</m:t>
+                    </m:r>
+                  </m:oMath>
+                </a14:m>
+                <a:r>
+                  <a:rPr lang="en-US" dirty="0"/>
+                  <a:t>.</a:t>
+                </a:r>
+              </a:p>
+              <a:p>
+                <a:endParaRPr lang="en-US" sz="2800" dirty="0"/>
+              </a:p>
+            </p:txBody>
+          </p:sp>
+        </mc:Choice>
+        <mc:Fallback>
+          <p:sp>
+            <p:nvSpPr>
+              <p:cNvPr id="17" name="TextBox 16">
+                <a:extLst>
+                  <a:ext uri="{FF2B5EF4-FFF2-40B4-BE49-F238E27FC236}">
+                    <a16:creationId xmlns:a16="http://schemas.microsoft.com/office/drawing/2014/main" id="{9053B9AC-4F54-9E4D-92B6-326C26665179}"/>
+                  </a:ext>
+                </a:extLst>
+              </p:cNvPr>
+              <p:cNvSpPr txBox="1">
+                <a:spLocks noRot="1" noChangeAspect="1" noMove="1" noResize="1" noEditPoints="1" noAdjustHandles="1" noChangeArrowheads="1" noChangeShapeType="1" noTextEdit="1"/>
+              </p:cNvSpPr>
+              <p:nvPr/>
+            </p:nvSpPr>
+            <p:spPr>
+              <a:xfrm>
+                <a:off x="0" y="1544878"/>
+                <a:ext cx="10803988" cy="954107"/>
+              </a:xfrm>
+              <a:prstGeom prst="rect">
+                <a:avLst/>
+              </a:prstGeom>
+              <a:blipFill>
+                <a:blip r:embed="rId5"/>
+                <a:stretch>
+                  <a:fillRect t="-7895"/>
+                </a:stretch>
+              </a:blipFill>
+            </p:spPr>
+            <p:txBody>
+              <a:bodyPr/>
+              <a:lstStyle/>
+              <a:p>
+                <a:r>
+                  <a:rPr lang="en-US">
+                    <a:noFill/>
+                  </a:rPr>
+                  <a:t> </a:t>
+                </a:r>
+              </a:p>
+            </p:txBody>
+          </p:sp>
+        </mc:Fallback>
+      </mc:AlternateContent>
     </p:spTree>
     <p:extLst>
       <p:ext uri="{BB962C8B-B14F-4D97-AF65-F5344CB8AC3E}">
@@ -5177,7 +5868,7 @@
           <a:p>
             <a:r>
               <a:rPr lang="en-US" sz="2800" dirty="0"/>
-              <a:t>3. Portfolio period return </a:t>
+              <a:t>3. Summary </a:t>
             </a:r>
           </a:p>
         </p:txBody>
@@ -5487,14 +6178,8 @@
             <a:pPr lvl="1"/>
             <a:r>
               <a:rPr lang="en-US" dirty="0"/>
-              <a:t>In hindsight, the optimal strategy over a sequence of price relatives is the Best-stock.</a:t>
-            </a:r>
-          </a:p>
-          <a:p>
-            <a:pPr marL="0" indent="0">
-              <a:buNone/>
-            </a:pPr>
-            <a:endParaRPr lang="en-US" dirty="0"/>
+              <a:t>In the experiment, we used equal weight.</a:t>
+            </a:r>
           </a:p>
           <a:p>
             <a:pPr lvl="1"/>
@@ -8915,7 +9600,7 @@
           <a:lstStyle/>
           <a:p>
             <a:r>
-              <a:rPr lang="en-US" dirty="0" smtClean="0"/>
+              <a:rPr lang="en-US" dirty="0"/>
               <a:t>Challenges</a:t>
             </a:r>
             <a:endParaRPr lang="en-SG" dirty="0"/>
@@ -9809,7 +10494,7 @@
           <a:lstStyle/>
           <a:p>
             <a:r>
-              <a:rPr lang="en-US" dirty="0" smtClean="0"/>
+              <a:rPr lang="en-US" dirty="0"/>
               <a:t>Our solution</a:t>
             </a:r>
             <a:endParaRPr lang="en-SG" dirty="0"/>
@@ -9910,8 +10595,8 @@
           </a:p>
         </p:txBody>
       </p:sp>
-      <mc:AlternateContent xmlns:mc="http://schemas.openxmlformats.org/markup-compatibility/2006">
-        <mc:Choice xmlns:a14="http://schemas.microsoft.com/office/drawing/2010/main" Requires="a14">
+      <mc:AlternateContent xmlns:mc="http://schemas.openxmlformats.org/markup-compatibility/2006" xmlns:a14="http://schemas.microsoft.com/office/drawing/2010/main">
+        <mc:Choice Requires="a14">
           <p:sp>
             <p:nvSpPr>
               <p:cNvPr id="3" name="Content Placeholder 2">
@@ -10001,15 +10686,7 @@
                 <a:pPr lvl="1"/>
                 <a:r>
                   <a:rPr lang="en-US" altLang="zh-CN" dirty="0"/>
-                  <a:t>Relative price : The </a:t>
-                </a:r>
-                <a:r>
-                  <a:rPr lang="en-US" altLang="zh-CN" dirty="0" smtClean="0"/>
-                  <a:t>change ratio </a:t>
-                </a:r>
-                <a:r>
-                  <a:rPr lang="en-US" altLang="zh-CN" dirty="0"/>
-                  <a:t>of asset prices.</a:t>
+                  <a:t>Relative price : The change ratio of asset prices.</a:t>
                 </a:r>
                 <a:endParaRPr lang="en-US" dirty="0"/>
               </a:p>
@@ -10024,46 +10701,13 @@
                 <a:pPr lvl="1"/>
                 <a:r>
                   <a:rPr lang="en-US" dirty="0"/>
-                  <a:t>Portfolio </a:t>
+                  <a:t>Portfolio cumulative wealth : the wealth increases multiplicatively by the product of relative price and portfolio strategy.</a:t>
                 </a:r>
-                <a:r>
-                  <a:rPr lang="en-US" dirty="0" smtClean="0"/>
-                  <a:t>cumulative wealth</a:t>
-                </a:r>
-                <a:r>
-                  <a:rPr lang="en-US" dirty="0" smtClean="0"/>
-                  <a:t> </a:t>
-                </a:r>
-                <a:r>
-                  <a:rPr lang="en-US" dirty="0"/>
-                  <a:t>: the wealth increases </a:t>
-                </a:r>
-                <a:r>
-                  <a:rPr lang="en-US" dirty="0" smtClean="0"/>
-                  <a:t>multiplicatively by </a:t>
-                </a:r>
-                <a:r>
-                  <a:rPr lang="en-US" dirty="0" smtClean="0"/>
-                  <a:t>the </a:t>
-                </a:r>
-                <a:r>
-                  <a:rPr lang="en-US" dirty="0" smtClean="0"/>
-                  <a:t>product of relative </a:t>
-                </a:r>
-                <a:r>
-                  <a:rPr lang="en-US" dirty="0"/>
-                  <a:t>price and </a:t>
-                </a:r>
-                <a:r>
-                  <a:rPr lang="en-US" dirty="0" smtClean="0"/>
-                  <a:t>portfolio strategy.</a:t>
-                </a:r>
-                <a:endParaRPr lang="en-US" dirty="0"/>
               </a:p>
             </p:txBody>
           </p:sp>
         </mc:Choice>
-        <mc:Fallback>
+        <mc:Fallback xmlns="">
           <p:sp>
             <p:nvSpPr>
               <p:cNvPr id="3" name="Content Placeholder 2">
@@ -10172,8 +10816,8 @@
           </a:p>
         </p:txBody>
       </p:sp>
-      <mc:AlternateContent xmlns:mc="http://schemas.openxmlformats.org/markup-compatibility/2006">
-        <mc:Choice xmlns:a14="http://schemas.microsoft.com/office/drawing/2010/main" Requires="a14">
+      <mc:AlternateContent xmlns:mc="http://schemas.openxmlformats.org/markup-compatibility/2006" xmlns:a14="http://schemas.microsoft.com/office/drawing/2010/main">
+        <mc:Choice Requires="a14">
           <p:sp>
             <p:nvSpPr>
               <p:cNvPr id="3" name="Content Placeholder 2">
@@ -10996,12 +11640,11 @@
                   <a:rPr lang="en-US" dirty="0"/>
                   <a:t>Portfolio cumulative wealth :</a:t>
                 </a:r>
-                <a:endParaRPr lang="en-US" dirty="0"/>
               </a:p>
               <a:p>
                 <a:pPr lvl="1"/>
                 <a:r>
-                  <a:rPr lang="en-US" dirty="0" smtClean="0"/>
+                  <a:rPr lang="en-US" dirty="0"/>
                   <a:t>Our initial wealth is </a:t>
                 </a:r>
                 <a14:m>
@@ -11043,12 +11686,8 @@
                   </m:oMath>
                 </a14:m>
                 <a:r>
-                  <a:rPr lang="en-US" dirty="0" smtClean="0"/>
-                  <a:t>, </a:t>
-                </a:r>
-                <a:r>
                   <a:rPr lang="en-US" dirty="0"/>
-                  <a:t>after n trading period, the portfolio cumulative wealth </a:t>
+                  <a:t>, after n trading period, the portfolio cumulative wealth </a:t>
                 </a:r>
                 <a14:m>
                   <m:oMath xmlns:m="http://schemas.openxmlformats.org/officeDocument/2006/math">
@@ -11392,7 +12031,7 @@
             </p:txBody>
           </p:sp>
         </mc:Choice>
-        <mc:Fallback>
+        <mc:Fallback xmlns="">
           <p:sp>
             <p:nvSpPr>
               <p:cNvPr id="3" name="Content Placeholder 2">
@@ -12184,26 +12823,21 @@
           <a:p>
             <a:r>
               <a:rPr lang="en-US" sz="3600" b="1" dirty="0"/>
-              <a:t>Robust Mean Reversion (‘RMR</a:t>
-            </a:r>
-            <a:r>
-              <a:rPr lang="en-US" sz="3600" b="1" dirty="0" smtClean="0"/>
-              <a:t>’) – 1</a:t>
-            </a:r>
-            <a:r>
-              <a:rPr lang="en-US" sz="3600" b="1" baseline="30000" dirty="0" smtClean="0"/>
+              <a:t>Robust Mean Reversion (‘RMR’) – 1</a:t>
+            </a:r>
+            <a:r>
+              <a:rPr lang="en-US" sz="3600" b="1" baseline="30000" dirty="0"/>
               <a:t>st</a:t>
             </a:r>
             <a:r>
-              <a:rPr lang="en-US" sz="3600" b="1" dirty="0" smtClean="0"/>
+              <a:rPr lang="en-US" sz="3600" b="1" dirty="0"/>
               <a:t> Optimization Problem</a:t>
             </a:r>
-            <a:endParaRPr lang="en-US" sz="3600" b="1" dirty="0"/>
           </a:p>
         </p:txBody>
       </p:sp>
-      <mc:AlternateContent xmlns:mc="http://schemas.openxmlformats.org/markup-compatibility/2006">
-        <mc:Choice xmlns:a14="http://schemas.microsoft.com/office/drawing/2010/main" Requires="a14">
+      <mc:AlternateContent xmlns:mc="http://schemas.openxmlformats.org/markup-compatibility/2006" xmlns:a14="http://schemas.microsoft.com/office/drawing/2010/main">
+        <mc:Choice Requires="a14">
           <p:sp>
             <p:nvSpPr>
               <p:cNvPr id="3" name="Content Placeholder 2">
@@ -13019,7 +13653,7 @@
             </p:txBody>
           </p:sp>
         </mc:Choice>
-        <mc:Fallback>
+        <mc:Fallback xmlns="">
           <p:sp>
             <p:nvSpPr>
               <p:cNvPr id="3" name="Content Placeholder 2">

--- a/PPT/Robust_Median_Reversion_Strategy.pptx
+++ b/PPT/Robust_Median_Reversion_Strategy.pptx
@@ -233,7 +233,7 @@
           <a:p>
             <a:fld id="{88F3C2E2-126B-4979-8934-7D878563B06E}" type="datetimeFigureOut">
               <a:rPr lang="en-US" smtClean="0"/>
-              <a:t>11/10/2018</a:t>
+              <a:t>11/10/18</a:t>
             </a:fld>
             <a:endParaRPr lang="en-US"/>
           </a:p>
@@ -787,7 +787,7 @@
           <a:p>
             <a:fld id="{29E94118-9050-46E0-939A-174186560067}" type="datetime1">
               <a:rPr lang="en-US" altLang="zh-CN" smtClean="0"/>
-              <a:t>11/10/2018</a:t>
+              <a:t>11/10/18</a:t>
             </a:fld>
             <a:endParaRPr lang="en-US"/>
           </a:p>
@@ -950,7 +950,7 @@
           <a:p>
             <a:fld id="{6AD30A64-E7AA-43F0-BF07-23549D4428C6}" type="datetime1">
               <a:rPr lang="en-US" altLang="zh-CN" smtClean="0"/>
-              <a:t>11/10/2018</a:t>
+              <a:t>11/10/18</a:t>
             </a:fld>
             <a:endParaRPr lang="en-US"/>
           </a:p>
@@ -1123,7 +1123,7 @@
           <a:p>
             <a:fld id="{08B81A84-1B7D-41E2-A1E4-4288B5C1E861}" type="datetime1">
               <a:rPr lang="en-US" altLang="zh-CN" smtClean="0"/>
-              <a:t>11/10/2018</a:t>
+              <a:t>11/10/18</a:t>
             </a:fld>
             <a:endParaRPr lang="en-US"/>
           </a:p>
@@ -1286,7 +1286,7 @@
           <a:p>
             <a:fld id="{6DE75D45-FC7E-4124-B0C5-9603FF288DA2}" type="datetime1">
               <a:rPr lang="en-US" altLang="zh-CN" smtClean="0"/>
-              <a:t>11/10/2018</a:t>
+              <a:t>11/10/18</a:t>
             </a:fld>
             <a:endParaRPr lang="en-US"/>
           </a:p>
@@ -1564,7 +1564,7 @@
           <a:p>
             <a:fld id="{E2C72021-B531-4D1D-B125-DBB347083F8E}" type="datetime1">
               <a:rPr lang="en-US" altLang="zh-CN" smtClean="0"/>
-              <a:t>11/10/2018</a:t>
+              <a:t>11/10/18</a:t>
             </a:fld>
             <a:endParaRPr lang="en-US"/>
           </a:p>
@@ -1788,7 +1788,7 @@
           <a:p>
             <a:fld id="{A9F05AC4-FF75-4A3C-923F-30EB7E16BB0D}" type="datetime1">
               <a:rPr lang="en-US" altLang="zh-CN" smtClean="0"/>
-              <a:t>11/10/2018</a:t>
+              <a:t>11/10/18</a:t>
             </a:fld>
             <a:endParaRPr lang="en-US"/>
           </a:p>
@@ -2147,7 +2147,7 @@
           <a:p>
             <a:fld id="{7FA8CBE7-CEFA-41D8-89DB-B7F0A3C832AE}" type="datetime1">
               <a:rPr lang="en-US" altLang="zh-CN" smtClean="0"/>
-              <a:t>11/10/2018</a:t>
+              <a:t>11/10/18</a:t>
             </a:fld>
             <a:endParaRPr lang="en-US"/>
           </a:p>
@@ -2259,7 +2259,7 @@
           <a:p>
             <a:fld id="{DA1BD6D7-5396-426F-9740-DB753732AD21}" type="datetime1">
               <a:rPr lang="en-US" altLang="zh-CN" smtClean="0"/>
-              <a:t>11/10/2018</a:t>
+              <a:t>11/10/18</a:t>
             </a:fld>
             <a:endParaRPr lang="en-US"/>
           </a:p>
@@ -2349,7 +2349,7 @@
           <a:p>
             <a:fld id="{055DB339-BB8A-4B86-8F74-7FB3E109F8D6}" type="datetime1">
               <a:rPr lang="en-US" altLang="zh-CN" smtClean="0"/>
-              <a:t>11/10/2018</a:t>
+              <a:t>11/10/18</a:t>
             </a:fld>
             <a:endParaRPr lang="en-US"/>
           </a:p>
@@ -2619,7 +2619,7 @@
           <a:p>
             <a:fld id="{FDF50661-5C57-47D4-827A-74E0878F3E43}" type="datetime1">
               <a:rPr lang="en-US" altLang="zh-CN" smtClean="0"/>
-              <a:t>11/10/2018</a:t>
+              <a:t>11/10/18</a:t>
             </a:fld>
             <a:endParaRPr lang="en-US"/>
           </a:p>
@@ -2866,7 +2866,7 @@
           <a:p>
             <a:fld id="{CE25EC32-158E-4B7B-B08F-F121B3397AB9}" type="datetime1">
               <a:rPr lang="en-US" altLang="zh-CN" smtClean="0"/>
-              <a:t>11/10/2018</a:t>
+              <a:t>11/10/18</a:t>
             </a:fld>
             <a:endParaRPr lang="en-US"/>
           </a:p>
@@ -3072,7 +3072,7 @@
           <a:p>
             <a:fld id="{6FA50D96-0E6C-4858-A4DE-72918898946E}" type="datetime1">
               <a:rPr lang="en-US" altLang="zh-CN" smtClean="0"/>
-              <a:t>11/10/2018</a:t>
+              <a:t>11/10/18</a:t>
             </a:fld>
             <a:endParaRPr lang="en-US" dirty="0"/>
           </a:p>
@@ -4083,7 +4083,7 @@
           <a:p>
             <a:fld id="{8B467BB7-69FC-4576-92CB-5A64A5B68A7C}" type="datetime1">
               <a:rPr lang="en-US" altLang="zh-CN" smtClean="0"/>
-              <a:t>11/10/2018</a:t>
+              <a:t>11/10/18</a:t>
             </a:fld>
             <a:endParaRPr lang="en-US"/>
           </a:p>
@@ -4754,7 +4754,7 @@
           <a:p>
             <a:fld id="{8ECACE2B-75F2-4E07-B588-F2452131E7DE}" type="datetime1">
               <a:rPr lang="en-US" altLang="zh-CN" smtClean="0"/>
-              <a:t>11/10/2018</a:t>
+              <a:t>11/10/18</a:t>
             </a:fld>
             <a:endParaRPr lang="en-US"/>
           </a:p>
@@ -4944,7 +4944,7 @@
           <a:p>
             <a:fld id="{226C8544-0579-46EE-8E8F-F6C1FA48C1EA}" type="datetime1">
               <a:rPr lang="en-US" altLang="zh-CN" smtClean="0"/>
-              <a:t>11/10/2018</a:t>
+              <a:t>11/10/18</a:t>
             </a:fld>
             <a:endParaRPr lang="en-US"/>
           </a:p>
@@ -5146,7 +5146,7 @@
           <a:p>
             <a:fld id="{52902DBC-D4C8-4E3C-8B69-03889DCA6102}" type="datetime1">
               <a:rPr lang="en-US" altLang="zh-CN" smtClean="0"/>
-              <a:t>11/10/2018</a:t>
+              <a:t>11/10/18</a:t>
             </a:fld>
             <a:endParaRPr lang="en-US"/>
           </a:p>
@@ -5342,7 +5342,7 @@
           <a:p>
             <a:fld id="{19CB36FB-D3E4-425F-878C-148371F83171}" type="datetime1">
               <a:rPr lang="en-US" altLang="zh-CN" smtClean="0"/>
-              <a:t>11/10/2018</a:t>
+              <a:t>11/10/18</a:t>
             </a:fld>
             <a:endParaRPr lang="en-US"/>
           </a:p>
@@ -5533,7 +5533,7 @@
           <a:p>
             <a:fld id="{F236483D-8350-4A1A-A8D9-2593798B15F8}" type="datetime1">
               <a:rPr lang="en-US" altLang="zh-CN" smtClean="0"/>
-              <a:t>11/10/2018</a:t>
+              <a:t>11/10/18</a:t>
             </a:fld>
             <a:endParaRPr lang="en-US"/>
           </a:p>
@@ -5849,7 +5849,7 @@
           <a:p>
             <a:fld id="{E2809605-F72E-4A8E-84D5-22230E4132F2}" type="datetime1">
               <a:rPr lang="en-US" altLang="zh-CN" smtClean="0"/>
-              <a:t>11/10/2018</a:t>
+              <a:t>11/10/18</a:t>
             </a:fld>
             <a:endParaRPr lang="en-US"/>
           </a:p>
@@ -6791,7 +6791,7 @@
           <a:p>
             <a:fld id="{57826736-B150-4D6C-BE66-45D12517CA21}" type="datetime1">
               <a:rPr lang="en-US" altLang="zh-CN" smtClean="0"/>
-              <a:t>11/10/2018</a:t>
+              <a:t>11/10/18</a:t>
             </a:fld>
             <a:endParaRPr lang="en-US"/>
           </a:p>
@@ -7265,7 +7265,7 @@
           <a:p>
             <a:fld id="{3BB41D3B-D95B-46D1-A77F-6E722E091AED}" type="datetime1">
               <a:rPr lang="en-US" altLang="zh-CN" smtClean="0"/>
-              <a:t>11/10/2018</a:t>
+              <a:t>11/10/18</a:t>
             </a:fld>
             <a:endParaRPr lang="en-US"/>
           </a:p>
@@ -7365,8 +7365,8 @@
           </a:p>
         </p:txBody>
       </p:sp>
-      <mc:AlternateContent xmlns:mc="http://schemas.openxmlformats.org/markup-compatibility/2006">
-        <mc:Choice xmlns:a14="http://schemas.microsoft.com/office/drawing/2010/main" Requires="a14">
+      <mc:AlternateContent xmlns:mc="http://schemas.openxmlformats.org/markup-compatibility/2006" xmlns:a14="http://schemas.microsoft.com/office/drawing/2010/main">
+        <mc:Choice Requires="a14">
           <p:sp>
             <p:nvSpPr>
               <p:cNvPr id="3" name="Content Placeholder 2">
@@ -7425,24 +7425,32 @@
                     <m:sSub>
                       <m:sSubPr>
                         <m:ctrlPr>
-                          <a:rPr lang="en-US" altLang="zh-CN"/>
+                          <a:rPr lang="en-US" altLang="zh-CN" i="1">
+                            <a:latin typeface="Cambria Math" panose="02040503050406030204" pitchFamily="18" charset="0"/>
+                          </a:rPr>
                         </m:ctrlPr>
                       </m:sSubPr>
                       <m:e>
                         <m:r>
-                          <a:rPr lang="en-US" altLang="zh-CN"/>
+                          <a:rPr lang="en-US" altLang="zh-CN">
+                            <a:latin typeface="Cambria Math" panose="02040503050406030204" pitchFamily="18" charset="0"/>
+                          </a:rPr>
                           <m:t>𝑅</m:t>
                         </m:r>
                       </m:e>
                       <m:sub>
                         <m:r>
-                          <a:rPr lang="en-US" altLang="zh-CN"/>
+                          <a:rPr lang="en-US" altLang="zh-CN">
+                            <a:latin typeface="Cambria Math" panose="02040503050406030204" pitchFamily="18" charset="0"/>
+                          </a:rPr>
                           <m:t>𝑓</m:t>
                         </m:r>
                       </m:sub>
                     </m:sSub>
                     <m:r>
-                      <a:rPr lang="en-US" altLang="zh-CN"/>
+                      <a:rPr lang="en-US" altLang="zh-CN">
+                        <a:latin typeface="Cambria Math" panose="02040503050406030204" pitchFamily="18" charset="0"/>
+                      </a:rPr>
                       <m:t>)</m:t>
                     </m:r>
                   </m:oMath>
@@ -7542,7 +7550,7 @@
             </p:txBody>
           </p:sp>
         </mc:Choice>
-        <mc:Fallback>
+        <mc:Fallback xmlns="">
           <p:sp>
             <p:nvSpPr>
               <p:cNvPr id="3" name="Content Placeholder 2">
@@ -7609,7 +7617,7 @@
           <a:p>
             <a:fld id="{EEAD2CC6-3D7E-4B27-BF7F-E83CB44295B3}" type="datetime1">
               <a:rPr lang="en-US" altLang="zh-CN" smtClean="0"/>
-              <a:t>11/10/2018</a:t>
+              <a:t>11/10/18</a:t>
             </a:fld>
             <a:endParaRPr lang="en-US"/>
           </a:p>
@@ -7808,7 +7816,7 @@
           <a:p>
             <a:fld id="{86CFC898-83C7-4C99-9D29-A35B59C4CEE6}" type="datetime1">
               <a:rPr lang="en-US" altLang="zh-CN" smtClean="0"/>
-              <a:t>11/10/2018</a:t>
+              <a:t>11/10/18</a:t>
             </a:fld>
             <a:endParaRPr lang="en-US"/>
           </a:p>
@@ -7921,7 +7929,7 @@
           <a:p>
             <a:fld id="{DBFA346E-ECB0-41BE-9442-5B7906A40EC8}" type="datetime1">
               <a:rPr lang="en-US" altLang="zh-CN" smtClean="0"/>
-              <a:t>11/10/2018</a:t>
+              <a:t>11/10/18</a:t>
             </a:fld>
             <a:endParaRPr lang="en-US"/>
           </a:p>
@@ -8034,7 +8042,7 @@
           <a:p>
             <a:fld id="{57810383-E868-4B34-9C57-0B7CC96E96CA}" type="datetime1">
               <a:rPr lang="en-US" altLang="zh-CN" smtClean="0"/>
-              <a:t>11/10/2018</a:t>
+              <a:t>11/10/18</a:t>
             </a:fld>
             <a:endParaRPr lang="en-US"/>
           </a:p>
@@ -10266,7 +10274,7 @@
           <a:p>
             <a:fld id="{8D697A0A-03B0-4F12-B857-CD9BEC7758EF}" type="datetime1">
               <a:rPr lang="en-US" altLang="zh-CN" smtClean="0"/>
-              <a:t>11/10/2018</a:t>
+              <a:t>11/10/18</a:t>
             </a:fld>
             <a:endParaRPr lang="en-US"/>
           </a:p>
@@ -10466,7 +10474,7 @@
           <a:p>
             <a:fld id="{FC67A56B-1B0C-4698-B8EC-19F2BE1DCDDA}" type="datetime1">
               <a:rPr lang="en-US" altLang="zh-CN" smtClean="0"/>
-              <a:t>11/10/2018</a:t>
+              <a:t>11/10/18</a:t>
             </a:fld>
             <a:endParaRPr lang="en-US"/>
           </a:p>
@@ -11416,7 +11424,7 @@
           <a:p>
             <a:fld id="{D886D7CD-9F84-4429-8C93-A059DB49854A}" type="datetime1">
               <a:rPr lang="en-US" altLang="zh-CN" smtClean="0"/>
-              <a:t>11/10/2018</a:t>
+              <a:t>11/10/18</a:t>
             </a:fld>
             <a:endParaRPr lang="en-US"/>
           </a:p>
@@ -11529,7 +11537,7 @@
           <a:p>
             <a:fld id="{8BBBCA06-615D-4ED4-B7A4-22648E16688A}" type="datetime1">
               <a:rPr lang="en-US" altLang="zh-CN" smtClean="0"/>
-              <a:t>11/10/2018</a:t>
+              <a:t>11/10/18</a:t>
             </a:fld>
             <a:endParaRPr lang="en-US"/>
           </a:p>
@@ -11642,7 +11650,7 @@
           <a:p>
             <a:fld id="{78913EA9-CD6F-47D7-A6E7-0ED0C031BD8E}" type="datetime1">
               <a:rPr lang="en-US" altLang="zh-CN" smtClean="0"/>
-              <a:t>11/10/2018</a:t>
+              <a:t>11/10/18</a:t>
             </a:fld>
             <a:endParaRPr lang="en-US"/>
           </a:p>
@@ -14367,7 +14375,7 @@
           <a:p>
             <a:fld id="{D062E326-B58D-464F-B327-24ADDBE0E146}" type="datetime1">
               <a:rPr lang="en-US" altLang="zh-CN" smtClean="0"/>
-              <a:t>11/10/2018</a:t>
+              <a:t>11/10/18</a:t>
             </a:fld>
             <a:endParaRPr lang="en-US"/>
           </a:p>
@@ -14564,7 +14572,7 @@
           <a:p>
             <a:fld id="{D9FE14FC-A559-4EA4-AF43-3C56CF7A4111}" type="datetime1">
               <a:rPr lang="en-US" altLang="zh-CN" smtClean="0"/>
-              <a:t>11/10/2018</a:t>
+              <a:t>11/10/18</a:t>
             </a:fld>
             <a:endParaRPr lang="en-US"/>
           </a:p>
@@ -14907,7 +14915,7 @@
           <a:p>
             <a:fld id="{C38297AE-3F14-4AC6-B68F-6442B6A3404D}" type="datetime1">
               <a:rPr lang="en-US" altLang="zh-CN" smtClean="0"/>
-              <a:t>11/10/2018</a:t>
+              <a:t>11/10/18</a:t>
             </a:fld>
             <a:endParaRPr lang="en-US"/>
           </a:p>
@@ -15102,7 +15110,7 @@
           <a:p>
             <a:fld id="{6A5A3CB1-7E34-4B07-A505-A1CCC95177EB}" type="datetime1">
               <a:rPr lang="en-US" altLang="zh-CN" smtClean="0"/>
-              <a:t>11/10/2018</a:t>
+              <a:t>11/10/18</a:t>
             </a:fld>
             <a:endParaRPr lang="en-US"/>
           </a:p>
@@ -15255,7 +15263,7 @@
           <a:p>
             <a:fld id="{1B45997F-D850-4ABF-BA36-58E873C1FE3E}" type="datetime1">
               <a:rPr lang="en-US" altLang="zh-CN" smtClean="0"/>
-              <a:t>11/10/2018</a:t>
+              <a:t>11/10/18</a:t>
             </a:fld>
             <a:endParaRPr lang="en-US"/>
           </a:p>
@@ -15368,7 +15376,7 @@
           <a:p>
             <a:fld id="{93D64CC5-5977-47C9-8AED-70CFC3C45BFA}" type="datetime1">
               <a:rPr lang="en-US" altLang="zh-CN" smtClean="0"/>
-              <a:t>11/10/2018</a:t>
+              <a:t>11/10/18</a:t>
             </a:fld>
             <a:endParaRPr lang="en-US"/>
           </a:p>
@@ -15516,7 +15524,7 @@
           <a:p>
             <a:fld id="{34065BA6-3CED-4495-880D-6DB4FAA06CA0}" type="datetime1">
               <a:rPr lang="en-US" altLang="zh-CN" smtClean="0"/>
-              <a:t>11/10/2018</a:t>
+              <a:t>11/10/18</a:t>
             </a:fld>
             <a:endParaRPr lang="en-US"/>
           </a:p>
@@ -15629,7 +15637,7 @@
           <a:p>
             <a:fld id="{69A436C9-16F8-45EB-BE00-D72FA6821A47}" type="datetime1">
               <a:rPr lang="en-US" altLang="zh-CN" smtClean="0"/>
-              <a:t>11/10/2018</a:t>
+              <a:t>11/10/18</a:t>
             </a:fld>
             <a:endParaRPr lang="en-US"/>
           </a:p>
@@ -18354,7 +18362,7 @@
           <a:p>
             <a:fld id="{ACBA2CCA-6C5F-4113-B3D2-3C1D14535802}" type="datetime1">
               <a:rPr lang="en-US" altLang="zh-CN" smtClean="0"/>
-              <a:t>11/10/2018</a:t>
+              <a:t>11/10/18</a:t>
             </a:fld>
             <a:endParaRPr lang="en-US"/>
           </a:p>
@@ -18486,7 +18494,7 @@
               <a:rPr lang="en-US" altLang="zh-CN" dirty="0">
                 <a:sym typeface="+mn-ea"/>
               </a:rPr>
-              <a:t>1. RMR's performance is highly impacted by transaction cost. </a:t>
+              <a:t>1. RMR's performance is highly affected by transaction cost. </a:t>
             </a:r>
             <a:endParaRPr lang="zh-CN" altLang="en-US" dirty="0"/>
           </a:p>
@@ -18496,7 +18504,19 @@
               <a:rPr lang="en-US" altLang="zh-CN" dirty="0">
                 <a:sym typeface="+mn-ea"/>
               </a:rPr>
-              <a:t>2. RMR perform well in most markets but there're some exceptions.</a:t>
+              <a:t>2. </a:t>
+            </a:r>
+            <a:r>
+              <a:rPr lang="en-US" altLang="zh-CN">
+                <a:sym typeface="+mn-ea"/>
+              </a:rPr>
+              <a:t>RMR performs </a:t>
+            </a:r>
+            <a:r>
+              <a:rPr lang="en-US" altLang="zh-CN" dirty="0">
+                <a:sym typeface="+mn-ea"/>
+              </a:rPr>
+              <a:t>well in most markets but there're some exceptions.</a:t>
             </a:r>
             <a:endParaRPr lang="zh-CN" altLang="en-US" dirty="0"/>
           </a:p>
@@ -18553,7 +18573,7 @@
           <a:p>
             <a:fld id="{3A76FEE6-9A93-4995-807C-ACE25D2600B8}" type="datetime1">
               <a:rPr lang="en-US" altLang="zh-CN" smtClean="0"/>
-              <a:t>11/10/2018</a:t>
+              <a:t>11/10/18</a:t>
             </a:fld>
             <a:endParaRPr lang="en-US"/>
           </a:p>
@@ -18714,7 +18734,7 @@
           <a:p>
             <a:fld id="{3311C1A9-9253-40A2-8E4D-D0CF28F417F4}" type="datetime1">
               <a:rPr lang="en-US" altLang="zh-CN" smtClean="0"/>
-              <a:t>11/10/2018</a:t>
+              <a:t>11/10/18</a:t>
             </a:fld>
             <a:endParaRPr lang="en-US"/>
           </a:p>
@@ -18829,7 +18849,7 @@
           <a:p>
             <a:fld id="{3311C1A9-9253-40A2-8E4D-D0CF28F417F4}" type="datetime1">
               <a:rPr lang="en-US" altLang="zh-CN" smtClean="0"/>
-              <a:t>11/10/2018</a:t>
+              <a:t>11/10/18</a:t>
             </a:fld>
             <a:endParaRPr lang="en-US"/>
           </a:p>
@@ -18969,7 +18989,7 @@
           <a:p>
             <a:fld id="{36A25982-369C-4793-97B3-9DA33869A06F}" type="datetime1">
               <a:rPr lang="en-US" altLang="zh-CN" smtClean="0"/>
-              <a:t>11/10/2018</a:t>
+              <a:t>11/10/18</a:t>
             </a:fld>
             <a:endParaRPr lang="en-US"/>
           </a:p>
@@ -19248,7 +19268,7 @@
           <a:p>
             <a:fld id="{49CD945A-A1BC-435D-AE15-23B9B0A02F8F}" type="datetime1">
               <a:rPr lang="en-US" altLang="zh-CN" smtClean="0"/>
-              <a:t>11/10/2018</a:t>
+              <a:t>11/10/18</a:t>
             </a:fld>
             <a:endParaRPr lang="en-US"/>
           </a:p>
@@ -20630,7 +20650,7 @@
           <a:p>
             <a:fld id="{C70EA320-FDD2-4634-9A50-9A9437CB0D8E}" type="datetime1">
               <a:rPr lang="en-US" altLang="zh-CN" smtClean="0"/>
-              <a:t>11/10/2018</a:t>
+              <a:t>11/10/18</a:t>
             </a:fld>
             <a:endParaRPr lang="en-US"/>
           </a:p>
@@ -21243,7 +21263,7 @@
           <a:p>
             <a:fld id="{9FBECC0C-6AF2-45D9-B9E8-941C04E4F2DF}" type="datetime1">
               <a:rPr lang="en-US" altLang="zh-CN" smtClean="0"/>
-              <a:t>11/10/2018</a:t>
+              <a:t>11/10/18</a:t>
             </a:fld>
             <a:endParaRPr lang="en-US"/>
           </a:p>
@@ -22243,7 +22263,7 @@
           <a:p>
             <a:fld id="{58D73625-EEE4-4EE3-9F39-650E62840075}" type="datetime1">
               <a:rPr lang="en-US" altLang="zh-CN" smtClean="0"/>
-              <a:t>11/10/2018</a:t>
+              <a:t>11/10/18</a:t>
             </a:fld>
             <a:endParaRPr lang="en-US"/>
           </a:p>
@@ -22923,7 +22943,7 @@
           <a:p>
             <a:fld id="{1CBFBE63-DB44-43ED-AC88-E7ED66148931}" type="datetime1">
               <a:rPr lang="en-US" altLang="zh-CN" smtClean="0"/>
-              <a:t>11/10/2018</a:t>
+              <a:t>11/10/18</a:t>
             </a:fld>
             <a:endParaRPr lang="en-US"/>
           </a:p>

--- a/PPT/Robust_Median_Reversion_Strategy.pptx
+++ b/PPT/Robust_Median_Reversion_Strategy.pptx
@@ -10432,7 +10432,7 @@
               <a:rPr lang="en-US" altLang="zh-CN" dirty="0">
                 <a:sym typeface="+mn-ea"/>
               </a:rPr>
-              <a:t>RMR in combination with ARMA did good job in the original.</a:t>
+              <a:t>Optimization problem 2 (regularization) in combination with ARMA did good job in the original.</a:t>
             </a:r>
           </a:p>
           <a:p>
@@ -11739,9 +11739,10 @@
           <a:lstStyle/>
           <a:p>
             <a:r>
-              <a:rPr lang="en-US" sz="3600" b="1" dirty="0"/>
+              <a:rPr lang="en-US" sz="3600" b="1"/>
               <a:t>Experiments</a:t>
             </a:r>
+            <a:endParaRPr lang="en-US" sz="3600" b="1" dirty="0"/>
           </a:p>
         </p:txBody>
       </p:sp>
@@ -15235,7 +15236,7 @@
             <a:pPr lvl="1"/>
             <a:r>
               <a:rPr lang="en-US" altLang="zh-CN" dirty="0"/>
-              <a:t>Performances during 2017-2018 financial crisis</a:t>
+              <a:t>Performances during 2007-2008 financial crisis</a:t>
             </a:r>
           </a:p>
         </p:txBody>
@@ -18504,19 +18505,7 @@
               <a:rPr lang="en-US" altLang="zh-CN" dirty="0">
                 <a:sym typeface="+mn-ea"/>
               </a:rPr>
-              <a:t>2. </a:t>
-            </a:r>
-            <a:r>
-              <a:rPr lang="en-US" altLang="zh-CN">
-                <a:sym typeface="+mn-ea"/>
-              </a:rPr>
-              <a:t>RMR performs </a:t>
-            </a:r>
-            <a:r>
-              <a:rPr lang="en-US" altLang="zh-CN" dirty="0">
-                <a:sym typeface="+mn-ea"/>
-              </a:rPr>
-              <a:t>well in most markets but there're some exceptions.</a:t>
+              <a:t>2. RMR perform well in most markets but there're some exceptions.</a:t>
             </a:r>
             <a:endParaRPr lang="zh-CN" altLang="en-US" dirty="0"/>
           </a:p>
@@ -18541,11 +18530,8 @@
               <a:rPr lang="en-US" altLang="zh-CN" dirty="0">
                 <a:sym typeface="+mn-ea"/>
               </a:rPr>
-              <a:t>Mean reversion strategy did not perform best in emerging market, which lacks market efficiency.</a:t>
+              <a:t>Mean reversion strategy did not perform best in emerging market, which lacks complete market system</a:t>
             </a:r>
-            <a:endParaRPr lang="en-US" altLang="zh-CN" dirty="0"/>
-          </a:p>
-          <a:p>
             <a:endParaRPr lang="en-US" altLang="zh-CN" dirty="0"/>
           </a:p>
         </p:txBody>
